--- a/ppt 16-9/1057.主的羊听主的.pptx
+++ b/ppt 16-9/1057.主的羊听主的.pptx
@@ -129,7 +129,7 @@
           <p:cNvPr id="2" name="标题 1">
             <a:extLst>
               <a:ext uri="{FF2B5EF4-FFF2-40B4-BE49-F238E27FC236}">
-                <a16:creationId xmlns:a16="http://schemas.microsoft.com/office/drawing/2014/main" id="{4D1DAE62-4252-2E9F-1674-AF4C21490572}"/>
+                <a16:creationId xmlns:a16="http://schemas.microsoft.com/office/drawing/2014/main" id="{A06D5B21-4AC6-78F3-34E3-EB4DDA1C5B56}"/>
               </a:ext>
             </a:extLst>
           </p:cNvPr>
@@ -166,7 +166,7 @@
           <p:cNvPr id="3" name="副标题 2">
             <a:extLst>
               <a:ext uri="{FF2B5EF4-FFF2-40B4-BE49-F238E27FC236}">
-                <a16:creationId xmlns:a16="http://schemas.microsoft.com/office/drawing/2014/main" id="{3B83DF4E-A350-D1B8-5A40-5F9D5AF6B8A6}"/>
+                <a16:creationId xmlns:a16="http://schemas.microsoft.com/office/drawing/2014/main" id="{40DB1D34-E9CA-7F08-1374-117821C4AB36}"/>
               </a:ext>
             </a:extLst>
           </p:cNvPr>
@@ -236,7 +236,7 @@
           <p:cNvPr id="4" name="日期占位符 3">
             <a:extLst>
               <a:ext uri="{FF2B5EF4-FFF2-40B4-BE49-F238E27FC236}">
-                <a16:creationId xmlns:a16="http://schemas.microsoft.com/office/drawing/2014/main" id="{F3947A61-EB6C-D3CD-B8A9-630D32328B77}"/>
+                <a16:creationId xmlns:a16="http://schemas.microsoft.com/office/drawing/2014/main" id="{CA31E12D-B5B4-A07C-65A8-AD9EA7EE01FC}"/>
               </a:ext>
             </a:extLst>
           </p:cNvPr>
@@ -252,7 +252,7 @@
           <a:bodyPr/>
           <a:lstStyle/>
           <a:p>
-            <a:fld id="{CA4CE58E-0057-4351-9BB9-1364555F6FC1}" type="datetimeFigureOut">
+            <a:fld id="{D5A469B4-4461-4805-A137-654D9F476991}" type="datetimeFigureOut">
               <a:rPr lang="zh-CN" altLang="en-US" smtClean="0"/>
               <a:t>2024/3/10</a:t>
             </a:fld>
@@ -265,7 +265,7 @@
           <p:cNvPr id="5" name="页脚占位符 4">
             <a:extLst>
               <a:ext uri="{FF2B5EF4-FFF2-40B4-BE49-F238E27FC236}">
-                <a16:creationId xmlns:a16="http://schemas.microsoft.com/office/drawing/2014/main" id="{FEC74F67-AE24-3A62-FE7D-6AB86849CECA}"/>
+                <a16:creationId xmlns:a16="http://schemas.microsoft.com/office/drawing/2014/main" id="{6A472D28-2544-94C8-C7B8-50B2FC9AE391}"/>
               </a:ext>
             </a:extLst>
           </p:cNvPr>
@@ -290,7 +290,7 @@
           <p:cNvPr id="6" name="灯片编号占位符 5">
             <a:extLst>
               <a:ext uri="{FF2B5EF4-FFF2-40B4-BE49-F238E27FC236}">
-                <a16:creationId xmlns:a16="http://schemas.microsoft.com/office/drawing/2014/main" id="{7FAD2F1B-B163-349D-14FC-98FA2D7D482B}"/>
+                <a16:creationId xmlns:a16="http://schemas.microsoft.com/office/drawing/2014/main" id="{90B6DC3A-8418-71C6-7AE2-EB236A4BC0C6}"/>
               </a:ext>
             </a:extLst>
           </p:cNvPr>
@@ -306,7 +306,7 @@
           <a:bodyPr/>
           <a:lstStyle/>
           <a:p>
-            <a:fld id="{BCF84910-A4D7-427D-B47A-4AC3496A39FB}" type="slidenum">
+            <a:fld id="{55058B1B-C49A-461D-B527-CEB889014BC6}" type="slidenum">
               <a:rPr lang="zh-CN" altLang="en-US" smtClean="0"/>
               <a:t>‹#›</a:t>
             </a:fld>
@@ -317,7 +317,7 @@
     </p:spTree>
     <p:extLst>
       <p:ext uri="{BB962C8B-B14F-4D97-AF65-F5344CB8AC3E}">
-        <p14:creationId xmlns:p14="http://schemas.microsoft.com/office/powerpoint/2010/main" val="1648888478"/>
+        <p14:creationId xmlns:p14="http://schemas.microsoft.com/office/powerpoint/2010/main" val="2302968259"/>
       </p:ext>
     </p:extLst>
   </p:cSld>
@@ -349,7 +349,7 @@
           <p:cNvPr id="2" name="标题 1">
             <a:extLst>
               <a:ext uri="{FF2B5EF4-FFF2-40B4-BE49-F238E27FC236}">
-                <a16:creationId xmlns:a16="http://schemas.microsoft.com/office/drawing/2014/main" id="{9F339C90-3C26-EDAD-B2C3-C8FEE3CEF314}"/>
+                <a16:creationId xmlns:a16="http://schemas.microsoft.com/office/drawing/2014/main" id="{690A9C84-1EBF-66B6-9828-9FA58B13068B}"/>
               </a:ext>
             </a:extLst>
           </p:cNvPr>
@@ -377,7 +377,7 @@
           <p:cNvPr id="3" name="竖排文字占位符 2">
             <a:extLst>
               <a:ext uri="{FF2B5EF4-FFF2-40B4-BE49-F238E27FC236}">
-                <a16:creationId xmlns:a16="http://schemas.microsoft.com/office/drawing/2014/main" id="{0DF0E65C-5B20-30ED-EA1C-C7B0F9019431}"/>
+                <a16:creationId xmlns:a16="http://schemas.microsoft.com/office/drawing/2014/main" id="{52FB1B4D-2AC4-8B1B-C243-4A514B976D65}"/>
               </a:ext>
             </a:extLst>
           </p:cNvPr>
@@ -434,7 +434,7 @@
           <p:cNvPr id="4" name="日期占位符 3">
             <a:extLst>
               <a:ext uri="{FF2B5EF4-FFF2-40B4-BE49-F238E27FC236}">
-                <a16:creationId xmlns:a16="http://schemas.microsoft.com/office/drawing/2014/main" id="{CDAAE022-2EA4-8591-74D6-5D5258D8945B}"/>
+                <a16:creationId xmlns:a16="http://schemas.microsoft.com/office/drawing/2014/main" id="{7CA02334-FA4D-89F7-98D6-DE4CE53C8636}"/>
               </a:ext>
             </a:extLst>
           </p:cNvPr>
@@ -450,7 +450,7 @@
           <a:bodyPr/>
           <a:lstStyle/>
           <a:p>
-            <a:fld id="{CA4CE58E-0057-4351-9BB9-1364555F6FC1}" type="datetimeFigureOut">
+            <a:fld id="{D5A469B4-4461-4805-A137-654D9F476991}" type="datetimeFigureOut">
               <a:rPr lang="zh-CN" altLang="en-US" smtClean="0"/>
               <a:t>2024/3/10</a:t>
             </a:fld>
@@ -463,7 +463,7 @@
           <p:cNvPr id="5" name="页脚占位符 4">
             <a:extLst>
               <a:ext uri="{FF2B5EF4-FFF2-40B4-BE49-F238E27FC236}">
-                <a16:creationId xmlns:a16="http://schemas.microsoft.com/office/drawing/2014/main" id="{9538E55B-330C-796D-5BB0-A201396F26B0}"/>
+                <a16:creationId xmlns:a16="http://schemas.microsoft.com/office/drawing/2014/main" id="{0A3AEB98-CCC9-A2D2-41C7-896B7FE8D75F}"/>
               </a:ext>
             </a:extLst>
           </p:cNvPr>
@@ -488,7 +488,7 @@
           <p:cNvPr id="6" name="灯片编号占位符 5">
             <a:extLst>
               <a:ext uri="{FF2B5EF4-FFF2-40B4-BE49-F238E27FC236}">
-                <a16:creationId xmlns:a16="http://schemas.microsoft.com/office/drawing/2014/main" id="{2AB6B89C-A632-20CA-BFB7-620454C33DA7}"/>
+                <a16:creationId xmlns:a16="http://schemas.microsoft.com/office/drawing/2014/main" id="{12226C70-0405-59DA-D7DA-AC8BC876A13B}"/>
               </a:ext>
             </a:extLst>
           </p:cNvPr>
@@ -504,7 +504,7 @@
           <a:bodyPr/>
           <a:lstStyle/>
           <a:p>
-            <a:fld id="{BCF84910-A4D7-427D-B47A-4AC3496A39FB}" type="slidenum">
+            <a:fld id="{55058B1B-C49A-461D-B527-CEB889014BC6}" type="slidenum">
               <a:rPr lang="zh-CN" altLang="en-US" smtClean="0"/>
               <a:t>‹#›</a:t>
             </a:fld>
@@ -515,7 +515,7 @@
     </p:spTree>
     <p:extLst>
       <p:ext uri="{BB962C8B-B14F-4D97-AF65-F5344CB8AC3E}">
-        <p14:creationId xmlns:p14="http://schemas.microsoft.com/office/powerpoint/2010/main" val="3427575644"/>
+        <p14:creationId xmlns:p14="http://schemas.microsoft.com/office/powerpoint/2010/main" val="2702014960"/>
       </p:ext>
     </p:extLst>
   </p:cSld>
@@ -547,7 +547,7 @@
           <p:cNvPr id="2" name="竖排标题 1">
             <a:extLst>
               <a:ext uri="{FF2B5EF4-FFF2-40B4-BE49-F238E27FC236}">
-                <a16:creationId xmlns:a16="http://schemas.microsoft.com/office/drawing/2014/main" id="{FB6A2A47-92D6-43BD-E64B-EC121EFCCC67}"/>
+                <a16:creationId xmlns:a16="http://schemas.microsoft.com/office/drawing/2014/main" id="{6EDAA8E8-9550-A990-DA76-679963C8D4F7}"/>
               </a:ext>
             </a:extLst>
           </p:cNvPr>
@@ -580,7 +580,7 @@
           <p:cNvPr id="3" name="竖排文字占位符 2">
             <a:extLst>
               <a:ext uri="{FF2B5EF4-FFF2-40B4-BE49-F238E27FC236}">
-                <a16:creationId xmlns:a16="http://schemas.microsoft.com/office/drawing/2014/main" id="{26554859-A85E-5C7D-2BBD-F8779EFD2995}"/>
+                <a16:creationId xmlns:a16="http://schemas.microsoft.com/office/drawing/2014/main" id="{30B31D8B-F8E8-A29A-7B04-F9B27D83FD5A}"/>
               </a:ext>
             </a:extLst>
           </p:cNvPr>
@@ -642,7 +642,7 @@
           <p:cNvPr id="4" name="日期占位符 3">
             <a:extLst>
               <a:ext uri="{FF2B5EF4-FFF2-40B4-BE49-F238E27FC236}">
-                <a16:creationId xmlns:a16="http://schemas.microsoft.com/office/drawing/2014/main" id="{DFF2B28F-D26C-C7B9-0D77-20D63B01A5E7}"/>
+                <a16:creationId xmlns:a16="http://schemas.microsoft.com/office/drawing/2014/main" id="{7D57C7E7-AA13-DA70-346B-62B882C87513}"/>
               </a:ext>
             </a:extLst>
           </p:cNvPr>
@@ -658,7 +658,7 @@
           <a:bodyPr/>
           <a:lstStyle/>
           <a:p>
-            <a:fld id="{CA4CE58E-0057-4351-9BB9-1364555F6FC1}" type="datetimeFigureOut">
+            <a:fld id="{D5A469B4-4461-4805-A137-654D9F476991}" type="datetimeFigureOut">
               <a:rPr lang="zh-CN" altLang="en-US" smtClean="0"/>
               <a:t>2024/3/10</a:t>
             </a:fld>
@@ -671,7 +671,7 @@
           <p:cNvPr id="5" name="页脚占位符 4">
             <a:extLst>
               <a:ext uri="{FF2B5EF4-FFF2-40B4-BE49-F238E27FC236}">
-                <a16:creationId xmlns:a16="http://schemas.microsoft.com/office/drawing/2014/main" id="{B9069406-2103-17F7-D3B1-BEFCEFD8BCFD}"/>
+                <a16:creationId xmlns:a16="http://schemas.microsoft.com/office/drawing/2014/main" id="{A487C2F5-C1F1-C4A6-0E95-7EEEB141A97C}"/>
               </a:ext>
             </a:extLst>
           </p:cNvPr>
@@ -696,7 +696,7 @@
           <p:cNvPr id="6" name="灯片编号占位符 5">
             <a:extLst>
               <a:ext uri="{FF2B5EF4-FFF2-40B4-BE49-F238E27FC236}">
-                <a16:creationId xmlns:a16="http://schemas.microsoft.com/office/drawing/2014/main" id="{563AC9AE-5AC5-075A-CAEF-D63C80F138FE}"/>
+                <a16:creationId xmlns:a16="http://schemas.microsoft.com/office/drawing/2014/main" id="{C359B100-74C6-C34D-2654-49EE7B96EA20}"/>
               </a:ext>
             </a:extLst>
           </p:cNvPr>
@@ -712,7 +712,7 @@
           <a:bodyPr/>
           <a:lstStyle/>
           <a:p>
-            <a:fld id="{BCF84910-A4D7-427D-B47A-4AC3496A39FB}" type="slidenum">
+            <a:fld id="{55058B1B-C49A-461D-B527-CEB889014BC6}" type="slidenum">
               <a:rPr lang="zh-CN" altLang="en-US" smtClean="0"/>
               <a:t>‹#›</a:t>
             </a:fld>
@@ -723,7 +723,7 @@
     </p:spTree>
     <p:extLst>
       <p:ext uri="{BB962C8B-B14F-4D97-AF65-F5344CB8AC3E}">
-        <p14:creationId xmlns:p14="http://schemas.microsoft.com/office/powerpoint/2010/main" val="3218215538"/>
+        <p14:creationId xmlns:p14="http://schemas.microsoft.com/office/powerpoint/2010/main" val="1626034702"/>
       </p:ext>
     </p:extLst>
   </p:cSld>
@@ -755,7 +755,7 @@
           <p:cNvPr id="2" name="标题 1">
             <a:extLst>
               <a:ext uri="{FF2B5EF4-FFF2-40B4-BE49-F238E27FC236}">
-                <a16:creationId xmlns:a16="http://schemas.microsoft.com/office/drawing/2014/main" id="{12CE7F9B-1DDD-5F19-BB6A-F1C276F9295A}"/>
+                <a16:creationId xmlns:a16="http://schemas.microsoft.com/office/drawing/2014/main" id="{A6E15E51-74B6-BE54-4613-35293419F848}"/>
               </a:ext>
             </a:extLst>
           </p:cNvPr>
@@ -783,7 +783,7 @@
           <p:cNvPr id="3" name="内容占位符 2">
             <a:extLst>
               <a:ext uri="{FF2B5EF4-FFF2-40B4-BE49-F238E27FC236}">
-                <a16:creationId xmlns:a16="http://schemas.microsoft.com/office/drawing/2014/main" id="{42DB0071-CF50-70CB-E00C-6D3DDAB11AB2}"/>
+                <a16:creationId xmlns:a16="http://schemas.microsoft.com/office/drawing/2014/main" id="{B0A891DC-9D56-DCB6-CFFA-49CAB2861733}"/>
               </a:ext>
             </a:extLst>
           </p:cNvPr>
@@ -840,7 +840,7 @@
           <p:cNvPr id="4" name="日期占位符 3">
             <a:extLst>
               <a:ext uri="{FF2B5EF4-FFF2-40B4-BE49-F238E27FC236}">
-                <a16:creationId xmlns:a16="http://schemas.microsoft.com/office/drawing/2014/main" id="{D9DB2F69-9AA1-5518-B41B-454A90DE9986}"/>
+                <a16:creationId xmlns:a16="http://schemas.microsoft.com/office/drawing/2014/main" id="{36A3B8C5-C317-8489-C09E-A4585157805E}"/>
               </a:ext>
             </a:extLst>
           </p:cNvPr>
@@ -856,7 +856,7 @@
           <a:bodyPr/>
           <a:lstStyle/>
           <a:p>
-            <a:fld id="{CA4CE58E-0057-4351-9BB9-1364555F6FC1}" type="datetimeFigureOut">
+            <a:fld id="{D5A469B4-4461-4805-A137-654D9F476991}" type="datetimeFigureOut">
               <a:rPr lang="zh-CN" altLang="en-US" smtClean="0"/>
               <a:t>2024/3/10</a:t>
             </a:fld>
@@ -869,7 +869,7 @@
           <p:cNvPr id="5" name="页脚占位符 4">
             <a:extLst>
               <a:ext uri="{FF2B5EF4-FFF2-40B4-BE49-F238E27FC236}">
-                <a16:creationId xmlns:a16="http://schemas.microsoft.com/office/drawing/2014/main" id="{D0EB28AB-33F6-0466-ADBF-42CD081401C5}"/>
+                <a16:creationId xmlns:a16="http://schemas.microsoft.com/office/drawing/2014/main" id="{6E34E2E7-674F-D46B-D931-36F74EDA371F}"/>
               </a:ext>
             </a:extLst>
           </p:cNvPr>
@@ -894,7 +894,7 @@
           <p:cNvPr id="6" name="灯片编号占位符 5">
             <a:extLst>
               <a:ext uri="{FF2B5EF4-FFF2-40B4-BE49-F238E27FC236}">
-                <a16:creationId xmlns:a16="http://schemas.microsoft.com/office/drawing/2014/main" id="{AB33622A-08CD-4C97-00F2-6E748E6B1049}"/>
+                <a16:creationId xmlns:a16="http://schemas.microsoft.com/office/drawing/2014/main" id="{43AA2B8F-6BE1-80DD-5772-4BA42F05411A}"/>
               </a:ext>
             </a:extLst>
           </p:cNvPr>
@@ -910,7 +910,7 @@
           <a:bodyPr/>
           <a:lstStyle/>
           <a:p>
-            <a:fld id="{BCF84910-A4D7-427D-B47A-4AC3496A39FB}" type="slidenum">
+            <a:fld id="{55058B1B-C49A-461D-B527-CEB889014BC6}" type="slidenum">
               <a:rPr lang="zh-CN" altLang="en-US" smtClean="0"/>
               <a:t>‹#›</a:t>
             </a:fld>
@@ -921,7 +921,7 @@
     </p:spTree>
     <p:extLst>
       <p:ext uri="{BB962C8B-B14F-4D97-AF65-F5344CB8AC3E}">
-        <p14:creationId xmlns:p14="http://schemas.microsoft.com/office/powerpoint/2010/main" val="4237568421"/>
+        <p14:creationId xmlns:p14="http://schemas.microsoft.com/office/powerpoint/2010/main" val="1686893512"/>
       </p:ext>
     </p:extLst>
   </p:cSld>
@@ -953,7 +953,7 @@
           <p:cNvPr id="2" name="标题 1">
             <a:extLst>
               <a:ext uri="{FF2B5EF4-FFF2-40B4-BE49-F238E27FC236}">
-                <a16:creationId xmlns:a16="http://schemas.microsoft.com/office/drawing/2014/main" id="{C4DED57D-13C9-33B5-45BE-341764142C40}"/>
+                <a16:creationId xmlns:a16="http://schemas.microsoft.com/office/drawing/2014/main" id="{59788192-2D8B-1F45-AAC1-739D5F245A78}"/>
               </a:ext>
             </a:extLst>
           </p:cNvPr>
@@ -990,7 +990,7 @@
           <p:cNvPr id="3" name="文本占位符 2">
             <a:extLst>
               <a:ext uri="{FF2B5EF4-FFF2-40B4-BE49-F238E27FC236}">
-                <a16:creationId xmlns:a16="http://schemas.microsoft.com/office/drawing/2014/main" id="{22BD1B22-36AE-1652-83A0-6469DD21BBD3}"/>
+                <a16:creationId xmlns:a16="http://schemas.microsoft.com/office/drawing/2014/main" id="{3666B1EA-69AB-ECF4-FC47-5AFC91136EE2}"/>
               </a:ext>
             </a:extLst>
           </p:cNvPr>
@@ -1115,7 +1115,7 @@
           <p:cNvPr id="4" name="日期占位符 3">
             <a:extLst>
               <a:ext uri="{FF2B5EF4-FFF2-40B4-BE49-F238E27FC236}">
-                <a16:creationId xmlns:a16="http://schemas.microsoft.com/office/drawing/2014/main" id="{7313CF66-68A9-731B-A3D4-995B89381E14}"/>
+                <a16:creationId xmlns:a16="http://schemas.microsoft.com/office/drawing/2014/main" id="{F6D7AE28-0E64-C19E-2799-7E5255B501CB}"/>
               </a:ext>
             </a:extLst>
           </p:cNvPr>
@@ -1131,7 +1131,7 @@
           <a:bodyPr/>
           <a:lstStyle/>
           <a:p>
-            <a:fld id="{CA4CE58E-0057-4351-9BB9-1364555F6FC1}" type="datetimeFigureOut">
+            <a:fld id="{D5A469B4-4461-4805-A137-654D9F476991}" type="datetimeFigureOut">
               <a:rPr lang="zh-CN" altLang="en-US" smtClean="0"/>
               <a:t>2024/3/10</a:t>
             </a:fld>
@@ -1144,7 +1144,7 @@
           <p:cNvPr id="5" name="页脚占位符 4">
             <a:extLst>
               <a:ext uri="{FF2B5EF4-FFF2-40B4-BE49-F238E27FC236}">
-                <a16:creationId xmlns:a16="http://schemas.microsoft.com/office/drawing/2014/main" id="{5838010C-5509-6959-FEBA-907F138F295E}"/>
+                <a16:creationId xmlns:a16="http://schemas.microsoft.com/office/drawing/2014/main" id="{A82FA5A0-8A3F-550A-7282-44ED3183057B}"/>
               </a:ext>
             </a:extLst>
           </p:cNvPr>
@@ -1169,7 +1169,7 @@
           <p:cNvPr id="6" name="灯片编号占位符 5">
             <a:extLst>
               <a:ext uri="{FF2B5EF4-FFF2-40B4-BE49-F238E27FC236}">
-                <a16:creationId xmlns:a16="http://schemas.microsoft.com/office/drawing/2014/main" id="{9C85751E-AF6A-7988-A788-41BA5670B77D}"/>
+                <a16:creationId xmlns:a16="http://schemas.microsoft.com/office/drawing/2014/main" id="{F9DD15E6-26CC-DA64-A78E-3D5F294D61D5}"/>
               </a:ext>
             </a:extLst>
           </p:cNvPr>
@@ -1185,7 +1185,7 @@
           <a:bodyPr/>
           <a:lstStyle/>
           <a:p>
-            <a:fld id="{BCF84910-A4D7-427D-B47A-4AC3496A39FB}" type="slidenum">
+            <a:fld id="{55058B1B-C49A-461D-B527-CEB889014BC6}" type="slidenum">
               <a:rPr lang="zh-CN" altLang="en-US" smtClean="0"/>
               <a:t>‹#›</a:t>
             </a:fld>
@@ -1196,7 +1196,7 @@
     </p:spTree>
     <p:extLst>
       <p:ext uri="{BB962C8B-B14F-4D97-AF65-F5344CB8AC3E}">
-        <p14:creationId xmlns:p14="http://schemas.microsoft.com/office/powerpoint/2010/main" val="107978250"/>
+        <p14:creationId xmlns:p14="http://schemas.microsoft.com/office/powerpoint/2010/main" val="2926771461"/>
       </p:ext>
     </p:extLst>
   </p:cSld>
@@ -1228,7 +1228,7 @@
           <p:cNvPr id="2" name="标题 1">
             <a:extLst>
               <a:ext uri="{FF2B5EF4-FFF2-40B4-BE49-F238E27FC236}">
-                <a16:creationId xmlns:a16="http://schemas.microsoft.com/office/drawing/2014/main" id="{CF3908C0-B9C4-5CE7-7D95-DBBF16AFF653}"/>
+                <a16:creationId xmlns:a16="http://schemas.microsoft.com/office/drawing/2014/main" id="{48F3DDD5-C3B2-6875-BC57-D8629CC921E2}"/>
               </a:ext>
             </a:extLst>
           </p:cNvPr>
@@ -1256,7 +1256,7 @@
           <p:cNvPr id="3" name="内容占位符 2">
             <a:extLst>
               <a:ext uri="{FF2B5EF4-FFF2-40B4-BE49-F238E27FC236}">
-                <a16:creationId xmlns:a16="http://schemas.microsoft.com/office/drawing/2014/main" id="{DF4C2EC1-1BB9-7ADD-31FC-13A6C49E1EF1}"/>
+                <a16:creationId xmlns:a16="http://schemas.microsoft.com/office/drawing/2014/main" id="{CFF236FD-0C3E-CBF3-EE22-28EB6F591588}"/>
               </a:ext>
             </a:extLst>
           </p:cNvPr>
@@ -1318,7 +1318,7 @@
           <p:cNvPr id="4" name="内容占位符 3">
             <a:extLst>
               <a:ext uri="{FF2B5EF4-FFF2-40B4-BE49-F238E27FC236}">
-                <a16:creationId xmlns:a16="http://schemas.microsoft.com/office/drawing/2014/main" id="{C71BC371-D595-7B32-9576-3C8F835C9A6A}"/>
+                <a16:creationId xmlns:a16="http://schemas.microsoft.com/office/drawing/2014/main" id="{4BC24CC7-17C9-31D1-4D0A-524026AB8389}"/>
               </a:ext>
             </a:extLst>
           </p:cNvPr>
@@ -1380,7 +1380,7 @@
           <p:cNvPr id="5" name="日期占位符 4">
             <a:extLst>
               <a:ext uri="{FF2B5EF4-FFF2-40B4-BE49-F238E27FC236}">
-                <a16:creationId xmlns:a16="http://schemas.microsoft.com/office/drawing/2014/main" id="{0757651C-3720-046A-0DB5-E6E6A7422D77}"/>
+                <a16:creationId xmlns:a16="http://schemas.microsoft.com/office/drawing/2014/main" id="{9ED5FE6F-01C7-5A89-F5E7-97E2C9CFB6FD}"/>
               </a:ext>
             </a:extLst>
           </p:cNvPr>
@@ -1396,7 +1396,7 @@
           <a:bodyPr/>
           <a:lstStyle/>
           <a:p>
-            <a:fld id="{CA4CE58E-0057-4351-9BB9-1364555F6FC1}" type="datetimeFigureOut">
+            <a:fld id="{D5A469B4-4461-4805-A137-654D9F476991}" type="datetimeFigureOut">
               <a:rPr lang="zh-CN" altLang="en-US" smtClean="0"/>
               <a:t>2024/3/10</a:t>
             </a:fld>
@@ -1409,7 +1409,7 @@
           <p:cNvPr id="6" name="页脚占位符 5">
             <a:extLst>
               <a:ext uri="{FF2B5EF4-FFF2-40B4-BE49-F238E27FC236}">
-                <a16:creationId xmlns:a16="http://schemas.microsoft.com/office/drawing/2014/main" id="{53BB1954-8D8E-7AE0-3145-6CFB6E013524}"/>
+                <a16:creationId xmlns:a16="http://schemas.microsoft.com/office/drawing/2014/main" id="{78CF490A-654E-86DB-107C-F153996DC9C3}"/>
               </a:ext>
             </a:extLst>
           </p:cNvPr>
@@ -1434,7 +1434,7 @@
           <p:cNvPr id="7" name="灯片编号占位符 6">
             <a:extLst>
               <a:ext uri="{FF2B5EF4-FFF2-40B4-BE49-F238E27FC236}">
-                <a16:creationId xmlns:a16="http://schemas.microsoft.com/office/drawing/2014/main" id="{64C665B6-2474-21CD-5F9E-EDEFCC091707}"/>
+                <a16:creationId xmlns:a16="http://schemas.microsoft.com/office/drawing/2014/main" id="{D636561E-C111-9533-67A8-EA698731B961}"/>
               </a:ext>
             </a:extLst>
           </p:cNvPr>
@@ -1450,7 +1450,7 @@
           <a:bodyPr/>
           <a:lstStyle/>
           <a:p>
-            <a:fld id="{BCF84910-A4D7-427D-B47A-4AC3496A39FB}" type="slidenum">
+            <a:fld id="{55058B1B-C49A-461D-B527-CEB889014BC6}" type="slidenum">
               <a:rPr lang="zh-CN" altLang="en-US" smtClean="0"/>
               <a:t>‹#›</a:t>
             </a:fld>
@@ -1461,7 +1461,7 @@
     </p:spTree>
     <p:extLst>
       <p:ext uri="{BB962C8B-B14F-4D97-AF65-F5344CB8AC3E}">
-        <p14:creationId xmlns:p14="http://schemas.microsoft.com/office/powerpoint/2010/main" val="1559425277"/>
+        <p14:creationId xmlns:p14="http://schemas.microsoft.com/office/powerpoint/2010/main" val="3556823776"/>
       </p:ext>
     </p:extLst>
   </p:cSld>
@@ -1493,7 +1493,7 @@
           <p:cNvPr id="2" name="标题 1">
             <a:extLst>
               <a:ext uri="{FF2B5EF4-FFF2-40B4-BE49-F238E27FC236}">
-                <a16:creationId xmlns:a16="http://schemas.microsoft.com/office/drawing/2014/main" id="{30C18C07-6F4E-8106-3468-CF030AFC181B}"/>
+                <a16:creationId xmlns:a16="http://schemas.microsoft.com/office/drawing/2014/main" id="{B36736DE-F836-3740-DAEB-E7C0098C79BB}"/>
               </a:ext>
             </a:extLst>
           </p:cNvPr>
@@ -1526,7 +1526,7 @@
           <p:cNvPr id="3" name="文本占位符 2">
             <a:extLst>
               <a:ext uri="{FF2B5EF4-FFF2-40B4-BE49-F238E27FC236}">
-                <a16:creationId xmlns:a16="http://schemas.microsoft.com/office/drawing/2014/main" id="{23F55830-FE0A-B7CD-D215-1E310F6E59C9}"/>
+                <a16:creationId xmlns:a16="http://schemas.microsoft.com/office/drawing/2014/main" id="{9134B9F3-1FD2-D7B4-2365-AF264CEF117F}"/>
               </a:ext>
             </a:extLst>
           </p:cNvPr>
@@ -1597,7 +1597,7 @@
           <p:cNvPr id="4" name="内容占位符 3">
             <a:extLst>
               <a:ext uri="{FF2B5EF4-FFF2-40B4-BE49-F238E27FC236}">
-                <a16:creationId xmlns:a16="http://schemas.microsoft.com/office/drawing/2014/main" id="{F2B5E2B9-055B-2773-AE8E-11F767834771}"/>
+                <a16:creationId xmlns:a16="http://schemas.microsoft.com/office/drawing/2014/main" id="{63A50884-B03D-A56C-580B-9DDB6230DC59}"/>
               </a:ext>
             </a:extLst>
           </p:cNvPr>
@@ -1659,7 +1659,7 @@
           <p:cNvPr id="5" name="文本占位符 4">
             <a:extLst>
               <a:ext uri="{FF2B5EF4-FFF2-40B4-BE49-F238E27FC236}">
-                <a16:creationId xmlns:a16="http://schemas.microsoft.com/office/drawing/2014/main" id="{0EAB133F-29A0-B791-4925-62807D608C06}"/>
+                <a16:creationId xmlns:a16="http://schemas.microsoft.com/office/drawing/2014/main" id="{9E4E2FCE-61D8-903A-F5EB-FA7B2B0E7131}"/>
               </a:ext>
             </a:extLst>
           </p:cNvPr>
@@ -1730,7 +1730,7 @@
           <p:cNvPr id="6" name="内容占位符 5">
             <a:extLst>
               <a:ext uri="{FF2B5EF4-FFF2-40B4-BE49-F238E27FC236}">
-                <a16:creationId xmlns:a16="http://schemas.microsoft.com/office/drawing/2014/main" id="{CDDCE152-2D56-D35B-E8AA-0BC6D7A0E09F}"/>
+                <a16:creationId xmlns:a16="http://schemas.microsoft.com/office/drawing/2014/main" id="{D177A96D-F8CA-6F70-8E40-986191B4AA64}"/>
               </a:ext>
             </a:extLst>
           </p:cNvPr>
@@ -1792,7 +1792,7 @@
           <p:cNvPr id="7" name="日期占位符 6">
             <a:extLst>
               <a:ext uri="{FF2B5EF4-FFF2-40B4-BE49-F238E27FC236}">
-                <a16:creationId xmlns:a16="http://schemas.microsoft.com/office/drawing/2014/main" id="{0039321D-37FC-6AB6-32DD-F70001553251}"/>
+                <a16:creationId xmlns:a16="http://schemas.microsoft.com/office/drawing/2014/main" id="{44E0D763-1462-3D64-2517-C6D843B20343}"/>
               </a:ext>
             </a:extLst>
           </p:cNvPr>
@@ -1808,7 +1808,7 @@
           <a:bodyPr/>
           <a:lstStyle/>
           <a:p>
-            <a:fld id="{CA4CE58E-0057-4351-9BB9-1364555F6FC1}" type="datetimeFigureOut">
+            <a:fld id="{D5A469B4-4461-4805-A137-654D9F476991}" type="datetimeFigureOut">
               <a:rPr lang="zh-CN" altLang="en-US" smtClean="0"/>
               <a:t>2024/3/10</a:t>
             </a:fld>
@@ -1821,7 +1821,7 @@
           <p:cNvPr id="8" name="页脚占位符 7">
             <a:extLst>
               <a:ext uri="{FF2B5EF4-FFF2-40B4-BE49-F238E27FC236}">
-                <a16:creationId xmlns:a16="http://schemas.microsoft.com/office/drawing/2014/main" id="{240D237C-A5A4-F801-2FD8-7C39BA786330}"/>
+                <a16:creationId xmlns:a16="http://schemas.microsoft.com/office/drawing/2014/main" id="{C9ADD8F1-62ED-2E73-1C46-C454B2539187}"/>
               </a:ext>
             </a:extLst>
           </p:cNvPr>
@@ -1846,7 +1846,7 @@
           <p:cNvPr id="9" name="灯片编号占位符 8">
             <a:extLst>
               <a:ext uri="{FF2B5EF4-FFF2-40B4-BE49-F238E27FC236}">
-                <a16:creationId xmlns:a16="http://schemas.microsoft.com/office/drawing/2014/main" id="{B159AD13-6149-09FC-0698-00C5DE4F675B}"/>
+                <a16:creationId xmlns:a16="http://schemas.microsoft.com/office/drawing/2014/main" id="{52B2C389-D135-D2BE-278C-F616891A8644}"/>
               </a:ext>
             </a:extLst>
           </p:cNvPr>
@@ -1862,7 +1862,7 @@
           <a:bodyPr/>
           <a:lstStyle/>
           <a:p>
-            <a:fld id="{BCF84910-A4D7-427D-B47A-4AC3496A39FB}" type="slidenum">
+            <a:fld id="{55058B1B-C49A-461D-B527-CEB889014BC6}" type="slidenum">
               <a:rPr lang="zh-CN" altLang="en-US" smtClean="0"/>
               <a:t>‹#›</a:t>
             </a:fld>
@@ -1873,7 +1873,7 @@
     </p:spTree>
     <p:extLst>
       <p:ext uri="{BB962C8B-B14F-4D97-AF65-F5344CB8AC3E}">
-        <p14:creationId xmlns:p14="http://schemas.microsoft.com/office/powerpoint/2010/main" val="1045467819"/>
+        <p14:creationId xmlns:p14="http://schemas.microsoft.com/office/powerpoint/2010/main" val="817365744"/>
       </p:ext>
     </p:extLst>
   </p:cSld>
@@ -1905,7 +1905,7 @@
           <p:cNvPr id="2" name="标题 1">
             <a:extLst>
               <a:ext uri="{FF2B5EF4-FFF2-40B4-BE49-F238E27FC236}">
-                <a16:creationId xmlns:a16="http://schemas.microsoft.com/office/drawing/2014/main" id="{9F5E8801-E3A9-7016-3724-C31316EC392F}"/>
+                <a16:creationId xmlns:a16="http://schemas.microsoft.com/office/drawing/2014/main" id="{970FAA72-1F52-6FF4-C849-8FE9D1FD66B9}"/>
               </a:ext>
             </a:extLst>
           </p:cNvPr>
@@ -1933,7 +1933,7 @@
           <p:cNvPr id="3" name="日期占位符 2">
             <a:extLst>
               <a:ext uri="{FF2B5EF4-FFF2-40B4-BE49-F238E27FC236}">
-                <a16:creationId xmlns:a16="http://schemas.microsoft.com/office/drawing/2014/main" id="{625C37EE-083E-DF5A-9E5E-D6CC5A9FB7EA}"/>
+                <a16:creationId xmlns:a16="http://schemas.microsoft.com/office/drawing/2014/main" id="{06F472DF-0CD3-B23B-4920-E8664FF523A1}"/>
               </a:ext>
             </a:extLst>
           </p:cNvPr>
@@ -1949,7 +1949,7 @@
           <a:bodyPr/>
           <a:lstStyle/>
           <a:p>
-            <a:fld id="{CA4CE58E-0057-4351-9BB9-1364555F6FC1}" type="datetimeFigureOut">
+            <a:fld id="{D5A469B4-4461-4805-A137-654D9F476991}" type="datetimeFigureOut">
               <a:rPr lang="zh-CN" altLang="en-US" smtClean="0"/>
               <a:t>2024/3/10</a:t>
             </a:fld>
@@ -1962,7 +1962,7 @@
           <p:cNvPr id="4" name="页脚占位符 3">
             <a:extLst>
               <a:ext uri="{FF2B5EF4-FFF2-40B4-BE49-F238E27FC236}">
-                <a16:creationId xmlns:a16="http://schemas.microsoft.com/office/drawing/2014/main" id="{BB4BDFA9-D5C9-CAEA-6884-C11FB27F3F87}"/>
+                <a16:creationId xmlns:a16="http://schemas.microsoft.com/office/drawing/2014/main" id="{C024D95C-B5B2-3EAF-445F-98361CA5CBE4}"/>
               </a:ext>
             </a:extLst>
           </p:cNvPr>
@@ -1987,7 +1987,7 @@
           <p:cNvPr id="5" name="灯片编号占位符 4">
             <a:extLst>
               <a:ext uri="{FF2B5EF4-FFF2-40B4-BE49-F238E27FC236}">
-                <a16:creationId xmlns:a16="http://schemas.microsoft.com/office/drawing/2014/main" id="{A52E5B28-A086-85EC-BEF5-366CF1BFC1D0}"/>
+                <a16:creationId xmlns:a16="http://schemas.microsoft.com/office/drawing/2014/main" id="{E1219EA1-6BEA-6FAB-A178-A3E3AA06EAA0}"/>
               </a:ext>
             </a:extLst>
           </p:cNvPr>
@@ -2003,7 +2003,7 @@
           <a:bodyPr/>
           <a:lstStyle/>
           <a:p>
-            <a:fld id="{BCF84910-A4D7-427D-B47A-4AC3496A39FB}" type="slidenum">
+            <a:fld id="{55058B1B-C49A-461D-B527-CEB889014BC6}" type="slidenum">
               <a:rPr lang="zh-CN" altLang="en-US" smtClean="0"/>
               <a:t>‹#›</a:t>
             </a:fld>
@@ -2014,7 +2014,7 @@
     </p:spTree>
     <p:extLst>
       <p:ext uri="{BB962C8B-B14F-4D97-AF65-F5344CB8AC3E}">
-        <p14:creationId xmlns:p14="http://schemas.microsoft.com/office/powerpoint/2010/main" val="3219616077"/>
+        <p14:creationId xmlns:p14="http://schemas.microsoft.com/office/powerpoint/2010/main" val="2989953256"/>
       </p:ext>
     </p:extLst>
   </p:cSld>
@@ -2046,7 +2046,7 @@
           <p:cNvPr id="2" name="日期占位符 1">
             <a:extLst>
               <a:ext uri="{FF2B5EF4-FFF2-40B4-BE49-F238E27FC236}">
-                <a16:creationId xmlns:a16="http://schemas.microsoft.com/office/drawing/2014/main" id="{D3768A98-B425-8427-B14D-98A54BD40955}"/>
+                <a16:creationId xmlns:a16="http://schemas.microsoft.com/office/drawing/2014/main" id="{D54F3A78-11B0-7F2F-C69D-D0340FBBF1D4}"/>
               </a:ext>
             </a:extLst>
           </p:cNvPr>
@@ -2062,7 +2062,7 @@
           <a:bodyPr/>
           <a:lstStyle/>
           <a:p>
-            <a:fld id="{CA4CE58E-0057-4351-9BB9-1364555F6FC1}" type="datetimeFigureOut">
+            <a:fld id="{D5A469B4-4461-4805-A137-654D9F476991}" type="datetimeFigureOut">
               <a:rPr lang="zh-CN" altLang="en-US" smtClean="0"/>
               <a:t>2024/3/10</a:t>
             </a:fld>
@@ -2075,7 +2075,7 @@
           <p:cNvPr id="3" name="页脚占位符 2">
             <a:extLst>
               <a:ext uri="{FF2B5EF4-FFF2-40B4-BE49-F238E27FC236}">
-                <a16:creationId xmlns:a16="http://schemas.microsoft.com/office/drawing/2014/main" id="{6328C543-DB32-D77D-5B84-0262AD7B84A8}"/>
+                <a16:creationId xmlns:a16="http://schemas.microsoft.com/office/drawing/2014/main" id="{111C6B93-52F0-F849-94AE-FDD8B88F37C8}"/>
               </a:ext>
             </a:extLst>
           </p:cNvPr>
@@ -2100,7 +2100,7 @@
           <p:cNvPr id="4" name="灯片编号占位符 3">
             <a:extLst>
               <a:ext uri="{FF2B5EF4-FFF2-40B4-BE49-F238E27FC236}">
-                <a16:creationId xmlns:a16="http://schemas.microsoft.com/office/drawing/2014/main" id="{0994A86B-CA9E-8A1C-14DA-DC1993439793}"/>
+                <a16:creationId xmlns:a16="http://schemas.microsoft.com/office/drawing/2014/main" id="{413583C1-6D61-EE94-FE9D-22C80C958AF8}"/>
               </a:ext>
             </a:extLst>
           </p:cNvPr>
@@ -2116,7 +2116,7 @@
           <a:bodyPr/>
           <a:lstStyle/>
           <a:p>
-            <a:fld id="{BCF84910-A4D7-427D-B47A-4AC3496A39FB}" type="slidenum">
+            <a:fld id="{55058B1B-C49A-461D-B527-CEB889014BC6}" type="slidenum">
               <a:rPr lang="zh-CN" altLang="en-US" smtClean="0"/>
               <a:t>‹#›</a:t>
             </a:fld>
@@ -2127,7 +2127,7 @@
     </p:spTree>
     <p:extLst>
       <p:ext uri="{BB962C8B-B14F-4D97-AF65-F5344CB8AC3E}">
-        <p14:creationId xmlns:p14="http://schemas.microsoft.com/office/powerpoint/2010/main" val="1683860140"/>
+        <p14:creationId xmlns:p14="http://schemas.microsoft.com/office/powerpoint/2010/main" val="334069283"/>
       </p:ext>
     </p:extLst>
   </p:cSld>
@@ -2159,7 +2159,7 @@
           <p:cNvPr id="2" name="标题 1">
             <a:extLst>
               <a:ext uri="{FF2B5EF4-FFF2-40B4-BE49-F238E27FC236}">
-                <a16:creationId xmlns:a16="http://schemas.microsoft.com/office/drawing/2014/main" id="{7657D616-4B3D-714D-152F-98A47A9DCB6E}"/>
+                <a16:creationId xmlns:a16="http://schemas.microsoft.com/office/drawing/2014/main" id="{E36FE87E-B403-3A87-C5F4-5FAB1E10A38B}"/>
               </a:ext>
             </a:extLst>
           </p:cNvPr>
@@ -2196,7 +2196,7 @@
           <p:cNvPr id="3" name="内容占位符 2">
             <a:extLst>
               <a:ext uri="{FF2B5EF4-FFF2-40B4-BE49-F238E27FC236}">
-                <a16:creationId xmlns:a16="http://schemas.microsoft.com/office/drawing/2014/main" id="{0E5B3E8E-5CDE-8249-06D0-BABA3B3F1515}"/>
+                <a16:creationId xmlns:a16="http://schemas.microsoft.com/office/drawing/2014/main" id="{D82D295C-E48D-0145-D554-D859C57AB8F5}"/>
               </a:ext>
             </a:extLst>
           </p:cNvPr>
@@ -2286,7 +2286,7 @@
           <p:cNvPr id="4" name="文本占位符 3">
             <a:extLst>
               <a:ext uri="{FF2B5EF4-FFF2-40B4-BE49-F238E27FC236}">
-                <a16:creationId xmlns:a16="http://schemas.microsoft.com/office/drawing/2014/main" id="{18C4700B-B62B-B273-D6E4-FA6161064745}"/>
+                <a16:creationId xmlns:a16="http://schemas.microsoft.com/office/drawing/2014/main" id="{4663190B-908E-5A4C-6FEC-2DEB096A7D4A}"/>
               </a:ext>
             </a:extLst>
           </p:cNvPr>
@@ -2357,7 +2357,7 @@
           <p:cNvPr id="5" name="日期占位符 4">
             <a:extLst>
               <a:ext uri="{FF2B5EF4-FFF2-40B4-BE49-F238E27FC236}">
-                <a16:creationId xmlns:a16="http://schemas.microsoft.com/office/drawing/2014/main" id="{3474E890-5086-66FB-7369-C183E01BE93E}"/>
+                <a16:creationId xmlns:a16="http://schemas.microsoft.com/office/drawing/2014/main" id="{2ECF0BDA-0810-F21F-67D7-DAA300F3C937}"/>
               </a:ext>
             </a:extLst>
           </p:cNvPr>
@@ -2373,7 +2373,7 @@
           <a:bodyPr/>
           <a:lstStyle/>
           <a:p>
-            <a:fld id="{CA4CE58E-0057-4351-9BB9-1364555F6FC1}" type="datetimeFigureOut">
+            <a:fld id="{D5A469B4-4461-4805-A137-654D9F476991}" type="datetimeFigureOut">
               <a:rPr lang="zh-CN" altLang="en-US" smtClean="0"/>
               <a:t>2024/3/10</a:t>
             </a:fld>
@@ -2386,7 +2386,7 @@
           <p:cNvPr id="6" name="页脚占位符 5">
             <a:extLst>
               <a:ext uri="{FF2B5EF4-FFF2-40B4-BE49-F238E27FC236}">
-                <a16:creationId xmlns:a16="http://schemas.microsoft.com/office/drawing/2014/main" id="{3B3E851D-9D1F-2396-5A4B-AAC6CC999C5F}"/>
+                <a16:creationId xmlns:a16="http://schemas.microsoft.com/office/drawing/2014/main" id="{E453C42D-A517-8710-8B2A-A70AE43555E8}"/>
               </a:ext>
             </a:extLst>
           </p:cNvPr>
@@ -2411,7 +2411,7 @@
           <p:cNvPr id="7" name="灯片编号占位符 6">
             <a:extLst>
               <a:ext uri="{FF2B5EF4-FFF2-40B4-BE49-F238E27FC236}">
-                <a16:creationId xmlns:a16="http://schemas.microsoft.com/office/drawing/2014/main" id="{F02E51E7-8860-9346-0876-78850087804B}"/>
+                <a16:creationId xmlns:a16="http://schemas.microsoft.com/office/drawing/2014/main" id="{5672CB92-C1F7-A291-42B9-75414A7150D1}"/>
               </a:ext>
             </a:extLst>
           </p:cNvPr>
@@ -2427,7 +2427,7 @@
           <a:bodyPr/>
           <a:lstStyle/>
           <a:p>
-            <a:fld id="{BCF84910-A4D7-427D-B47A-4AC3496A39FB}" type="slidenum">
+            <a:fld id="{55058B1B-C49A-461D-B527-CEB889014BC6}" type="slidenum">
               <a:rPr lang="zh-CN" altLang="en-US" smtClean="0"/>
               <a:t>‹#›</a:t>
             </a:fld>
@@ -2438,7 +2438,7 @@
     </p:spTree>
     <p:extLst>
       <p:ext uri="{BB962C8B-B14F-4D97-AF65-F5344CB8AC3E}">
-        <p14:creationId xmlns:p14="http://schemas.microsoft.com/office/powerpoint/2010/main" val="3386068421"/>
+        <p14:creationId xmlns:p14="http://schemas.microsoft.com/office/powerpoint/2010/main" val="1121499780"/>
       </p:ext>
     </p:extLst>
   </p:cSld>
@@ -2470,7 +2470,7 @@
           <p:cNvPr id="2" name="标题 1">
             <a:extLst>
               <a:ext uri="{FF2B5EF4-FFF2-40B4-BE49-F238E27FC236}">
-                <a16:creationId xmlns:a16="http://schemas.microsoft.com/office/drawing/2014/main" id="{49B66471-10F7-5074-604C-96C3C066DE0F}"/>
+                <a16:creationId xmlns:a16="http://schemas.microsoft.com/office/drawing/2014/main" id="{2FCB57B6-8DE9-F888-B183-79485383B3EA}"/>
               </a:ext>
             </a:extLst>
           </p:cNvPr>
@@ -2507,7 +2507,7 @@
           <p:cNvPr id="3" name="图片占位符 2">
             <a:extLst>
               <a:ext uri="{FF2B5EF4-FFF2-40B4-BE49-F238E27FC236}">
-                <a16:creationId xmlns:a16="http://schemas.microsoft.com/office/drawing/2014/main" id="{AE0CF324-2399-2BAC-1973-9C1BCA01C1B3}"/>
+                <a16:creationId xmlns:a16="http://schemas.microsoft.com/office/drawing/2014/main" id="{F8A47F9D-4006-241D-2085-2DE3B2FA161A}"/>
               </a:ext>
             </a:extLst>
           </p:cNvPr>
@@ -2574,7 +2574,7 @@
           <p:cNvPr id="4" name="文本占位符 3">
             <a:extLst>
               <a:ext uri="{FF2B5EF4-FFF2-40B4-BE49-F238E27FC236}">
-                <a16:creationId xmlns:a16="http://schemas.microsoft.com/office/drawing/2014/main" id="{F6741189-3489-13AD-9005-C7B685DEF165}"/>
+                <a16:creationId xmlns:a16="http://schemas.microsoft.com/office/drawing/2014/main" id="{699091B7-EC58-E049-B5B2-148D73B3FFF9}"/>
               </a:ext>
             </a:extLst>
           </p:cNvPr>
@@ -2645,7 +2645,7 @@
           <p:cNvPr id="5" name="日期占位符 4">
             <a:extLst>
               <a:ext uri="{FF2B5EF4-FFF2-40B4-BE49-F238E27FC236}">
-                <a16:creationId xmlns:a16="http://schemas.microsoft.com/office/drawing/2014/main" id="{628089A1-89AF-3120-2BF9-60131D2B06BB}"/>
+                <a16:creationId xmlns:a16="http://schemas.microsoft.com/office/drawing/2014/main" id="{92FBE194-7245-DB91-7ADC-5839A6072F25}"/>
               </a:ext>
             </a:extLst>
           </p:cNvPr>
@@ -2661,7 +2661,7 @@
           <a:bodyPr/>
           <a:lstStyle/>
           <a:p>
-            <a:fld id="{CA4CE58E-0057-4351-9BB9-1364555F6FC1}" type="datetimeFigureOut">
+            <a:fld id="{D5A469B4-4461-4805-A137-654D9F476991}" type="datetimeFigureOut">
               <a:rPr lang="zh-CN" altLang="en-US" smtClean="0"/>
               <a:t>2024/3/10</a:t>
             </a:fld>
@@ -2674,7 +2674,7 @@
           <p:cNvPr id="6" name="页脚占位符 5">
             <a:extLst>
               <a:ext uri="{FF2B5EF4-FFF2-40B4-BE49-F238E27FC236}">
-                <a16:creationId xmlns:a16="http://schemas.microsoft.com/office/drawing/2014/main" id="{BEBE293D-645A-6E30-1B8E-4F1B22E3916A}"/>
+                <a16:creationId xmlns:a16="http://schemas.microsoft.com/office/drawing/2014/main" id="{E364CDC3-B357-E68A-59A8-87341745EB41}"/>
               </a:ext>
             </a:extLst>
           </p:cNvPr>
@@ -2699,7 +2699,7 @@
           <p:cNvPr id="7" name="灯片编号占位符 6">
             <a:extLst>
               <a:ext uri="{FF2B5EF4-FFF2-40B4-BE49-F238E27FC236}">
-                <a16:creationId xmlns:a16="http://schemas.microsoft.com/office/drawing/2014/main" id="{4083A9AD-371A-31B3-201F-C197F2F35B30}"/>
+                <a16:creationId xmlns:a16="http://schemas.microsoft.com/office/drawing/2014/main" id="{23FD7911-BD0C-0A61-119E-A96AB9B6100B}"/>
               </a:ext>
             </a:extLst>
           </p:cNvPr>
@@ -2715,7 +2715,7 @@
           <a:bodyPr/>
           <a:lstStyle/>
           <a:p>
-            <a:fld id="{BCF84910-A4D7-427D-B47A-4AC3496A39FB}" type="slidenum">
+            <a:fld id="{55058B1B-C49A-461D-B527-CEB889014BC6}" type="slidenum">
               <a:rPr lang="zh-CN" altLang="en-US" smtClean="0"/>
               <a:t>‹#›</a:t>
             </a:fld>
@@ -2726,7 +2726,7 @@
     </p:spTree>
     <p:extLst>
       <p:ext uri="{BB962C8B-B14F-4D97-AF65-F5344CB8AC3E}">
-        <p14:creationId xmlns:p14="http://schemas.microsoft.com/office/powerpoint/2010/main" val="2039241515"/>
+        <p14:creationId xmlns:p14="http://schemas.microsoft.com/office/powerpoint/2010/main" val="1732291193"/>
       </p:ext>
     </p:extLst>
   </p:cSld>
@@ -2763,7 +2763,7 @@
           <p:cNvPr id="2" name="标题占位符 1">
             <a:extLst>
               <a:ext uri="{FF2B5EF4-FFF2-40B4-BE49-F238E27FC236}">
-                <a16:creationId xmlns:a16="http://schemas.microsoft.com/office/drawing/2014/main" id="{24D4B453-4613-D83C-082D-A4E368BF235D}"/>
+                <a16:creationId xmlns:a16="http://schemas.microsoft.com/office/drawing/2014/main" id="{4BA52555-0005-0CD6-94AF-DCA0F2EB209E}"/>
               </a:ext>
             </a:extLst>
           </p:cNvPr>
@@ -2801,7 +2801,7 @@
           <p:cNvPr id="3" name="文本占位符 2">
             <a:extLst>
               <a:ext uri="{FF2B5EF4-FFF2-40B4-BE49-F238E27FC236}">
-                <a16:creationId xmlns:a16="http://schemas.microsoft.com/office/drawing/2014/main" id="{906EC702-5B74-1845-8886-49F41789920A}"/>
+                <a16:creationId xmlns:a16="http://schemas.microsoft.com/office/drawing/2014/main" id="{5CA415F5-07F0-FD54-96E5-4CAE8881AEA1}"/>
               </a:ext>
             </a:extLst>
           </p:cNvPr>
@@ -2868,7 +2868,7 @@
           <p:cNvPr id="4" name="日期占位符 3">
             <a:extLst>
               <a:ext uri="{FF2B5EF4-FFF2-40B4-BE49-F238E27FC236}">
-                <a16:creationId xmlns:a16="http://schemas.microsoft.com/office/drawing/2014/main" id="{470B8DC9-6118-C887-8431-F8D2AEB1C953}"/>
+                <a16:creationId xmlns:a16="http://schemas.microsoft.com/office/drawing/2014/main" id="{744E30A3-A44D-CB6E-7311-DE5F8C81037C}"/>
               </a:ext>
             </a:extLst>
           </p:cNvPr>
@@ -2902,7 +2902,7 @@
             </a:lvl1pPr>
           </a:lstStyle>
           <a:p>
-            <a:fld id="{CA4CE58E-0057-4351-9BB9-1364555F6FC1}" type="datetimeFigureOut">
+            <a:fld id="{D5A469B4-4461-4805-A137-654D9F476991}" type="datetimeFigureOut">
               <a:rPr lang="zh-CN" altLang="en-US" smtClean="0"/>
               <a:t>2024/3/10</a:t>
             </a:fld>
@@ -2915,7 +2915,7 @@
           <p:cNvPr id="5" name="页脚占位符 4">
             <a:extLst>
               <a:ext uri="{FF2B5EF4-FFF2-40B4-BE49-F238E27FC236}">
-                <a16:creationId xmlns:a16="http://schemas.microsoft.com/office/drawing/2014/main" id="{8BFE6852-C052-FB61-2377-C07CE2308907}"/>
+                <a16:creationId xmlns:a16="http://schemas.microsoft.com/office/drawing/2014/main" id="{6C2F4B41-FDCB-277A-3502-F61A889FE381}"/>
               </a:ext>
             </a:extLst>
           </p:cNvPr>
@@ -2958,7 +2958,7 @@
           <p:cNvPr id="6" name="灯片编号占位符 5">
             <a:extLst>
               <a:ext uri="{FF2B5EF4-FFF2-40B4-BE49-F238E27FC236}">
-                <a16:creationId xmlns:a16="http://schemas.microsoft.com/office/drawing/2014/main" id="{3E23D467-1B0F-294D-D712-E5410DD33F58}"/>
+                <a16:creationId xmlns:a16="http://schemas.microsoft.com/office/drawing/2014/main" id="{5BDC8C9C-12B3-12C6-7895-CF45D5F70D71}"/>
               </a:ext>
             </a:extLst>
           </p:cNvPr>
@@ -2992,7 +2992,7 @@
             </a:lvl1pPr>
           </a:lstStyle>
           <a:p>
-            <a:fld id="{BCF84910-A4D7-427D-B47A-4AC3496A39FB}" type="slidenum">
+            <a:fld id="{55058B1B-C49A-461D-B527-CEB889014BC6}" type="slidenum">
               <a:rPr lang="zh-CN" altLang="en-US" smtClean="0"/>
               <a:t>‹#›</a:t>
             </a:fld>
@@ -3003,7 +3003,7 @@
     </p:spTree>
     <p:extLst>
       <p:ext uri="{BB962C8B-B14F-4D97-AF65-F5344CB8AC3E}">
-        <p14:creationId xmlns:p14="http://schemas.microsoft.com/office/powerpoint/2010/main" val="61264247"/>
+        <p14:creationId xmlns:p14="http://schemas.microsoft.com/office/powerpoint/2010/main" val="856155615"/>
       </p:ext>
     </p:extLst>
   </p:cSld>
